--- a/June_Batch/17-06-22/html_17_06_22.pptx
+++ b/June_Batch/17-06-22/html_17_06_22.pptx
@@ -29,27 +29,6 @@
     <p:sldId id="414" r:id="rId23"/>
     <p:sldId id="415" r:id="rId24"/>
     <p:sldId id="416" r:id="rId25"/>
-    <p:sldId id="411" r:id="rId26"/>
-    <p:sldId id="413" r:id="rId27"/>
-    <p:sldId id="417" r:id="rId28"/>
-    <p:sldId id="418" r:id="rId29"/>
-    <p:sldId id="419" r:id="rId30"/>
-    <p:sldId id="420" r:id="rId31"/>
-    <p:sldId id="421" r:id="rId32"/>
-    <p:sldId id="422" r:id="rId33"/>
-    <p:sldId id="384" r:id="rId34"/>
-    <p:sldId id="376" r:id="rId35"/>
-    <p:sldId id="385" r:id="rId36"/>
-    <p:sldId id="386" r:id="rId37"/>
-    <p:sldId id="387" r:id="rId38"/>
-    <p:sldId id="388" r:id="rId39"/>
-    <p:sldId id="428" r:id="rId40"/>
-    <p:sldId id="389" r:id="rId41"/>
-    <p:sldId id="423" r:id="rId42"/>
-    <p:sldId id="424" r:id="rId43"/>
-    <p:sldId id="425" r:id="rId44"/>
-    <p:sldId id="426" r:id="rId45"/>
-    <p:sldId id="427" r:id="rId46"/>
   </p:sldIdLst>
   <p:sldSz cx="12192000" cy="6858000"/>
   <p:notesSz cx="6858000" cy="9144000"/>
@@ -150,7 +129,7 @@
   </p:defaultTextStyle>
   <p:extLst>
     <p:ext uri="{EFAFB233-063F-42B5-8137-9DF3F51BA10A}">
-      <p15:sldGuideLst xmlns:p15="http://schemas.microsoft.com/office/powerpoint/2012/main" xmlns="">
+      <p15:sldGuideLst xmlns="" xmlns:p15="http://schemas.microsoft.com/office/powerpoint/2012/main">
         <p15:guide id="1" orient="horz" pos="2160">
           <p15:clr>
             <a:srgbClr val="A4A3A4"/>
@@ -299,7 +278,7 @@
             <a:fld id="{7FCC5AE5-E495-4913-B643-A95A6AFABB00}" type="datetimeFigureOut">
               <a:rPr kumimoji="1" lang="ja-JP" altLang="en-US" smtClean="0"/>
               <a:pPr/>
-              <a:t>2022/6/17</a:t>
+              <a:t>2022/6/18</a:t>
             </a:fld>
             <a:endParaRPr kumimoji="1" lang="ja-JP" altLang="en-US"/>
           </a:p>
@@ -351,7 +330,7 @@
     </p:spTree>
     <p:extLst>
       <p:ext uri="{BB962C8B-B14F-4D97-AF65-F5344CB8AC3E}">
-        <p14:creationId xmlns:p14="http://schemas.microsoft.com/office/powerpoint/2010/main" xmlns="" val="3096064434"/>
+        <p14:creationId xmlns="" xmlns:p14="http://schemas.microsoft.com/office/powerpoint/2010/main" val="3096064434"/>
       </p:ext>
     </p:extLst>
   </p:cSld>
@@ -471,7 +450,7 @@
             <a:fld id="{7FCC5AE5-E495-4913-B643-A95A6AFABB00}" type="datetimeFigureOut">
               <a:rPr kumimoji="1" lang="ja-JP" altLang="en-US" smtClean="0"/>
               <a:pPr/>
-              <a:t>2022/6/17</a:t>
+              <a:t>2022/6/18</a:t>
             </a:fld>
             <a:endParaRPr kumimoji="1" lang="ja-JP" altLang="en-US"/>
           </a:p>
@@ -523,7 +502,7 @@
     </p:spTree>
     <p:extLst>
       <p:ext uri="{BB962C8B-B14F-4D97-AF65-F5344CB8AC3E}">
-        <p14:creationId xmlns:p14="http://schemas.microsoft.com/office/powerpoint/2010/main" xmlns="" val="71407721"/>
+        <p14:creationId xmlns="" xmlns:p14="http://schemas.microsoft.com/office/powerpoint/2010/main" val="71407721"/>
       </p:ext>
     </p:extLst>
   </p:cSld>
@@ -653,7 +632,7 @@
             <a:fld id="{7FCC5AE5-E495-4913-B643-A95A6AFABB00}" type="datetimeFigureOut">
               <a:rPr kumimoji="1" lang="ja-JP" altLang="en-US" smtClean="0"/>
               <a:pPr/>
-              <a:t>2022/6/17</a:t>
+              <a:t>2022/6/18</a:t>
             </a:fld>
             <a:endParaRPr kumimoji="1" lang="ja-JP" altLang="en-US"/>
           </a:p>
@@ -705,7 +684,7 @@
     </p:spTree>
     <p:extLst>
       <p:ext uri="{BB962C8B-B14F-4D97-AF65-F5344CB8AC3E}">
-        <p14:creationId xmlns:p14="http://schemas.microsoft.com/office/powerpoint/2010/main" xmlns="" val="3852493858"/>
+        <p14:creationId xmlns="" xmlns:p14="http://schemas.microsoft.com/office/powerpoint/2010/main" val="3852493858"/>
       </p:ext>
     </p:extLst>
   </p:cSld>
@@ -825,7 +804,7 @@
             <a:fld id="{7FCC5AE5-E495-4913-B643-A95A6AFABB00}" type="datetimeFigureOut">
               <a:rPr kumimoji="1" lang="ja-JP" altLang="en-US" smtClean="0"/>
               <a:pPr/>
-              <a:t>2022/6/17</a:t>
+              <a:t>2022/6/18</a:t>
             </a:fld>
             <a:endParaRPr kumimoji="1" lang="ja-JP" altLang="en-US"/>
           </a:p>
@@ -877,7 +856,7 @@
     </p:spTree>
     <p:extLst>
       <p:ext uri="{BB962C8B-B14F-4D97-AF65-F5344CB8AC3E}">
-        <p14:creationId xmlns:p14="http://schemas.microsoft.com/office/powerpoint/2010/main" xmlns="" val="282795843"/>
+        <p14:creationId xmlns="" xmlns:p14="http://schemas.microsoft.com/office/powerpoint/2010/main" val="282795843"/>
       </p:ext>
     </p:extLst>
   </p:cSld>
@@ -1073,7 +1052,7 @@
             <a:fld id="{7FCC5AE5-E495-4913-B643-A95A6AFABB00}" type="datetimeFigureOut">
               <a:rPr kumimoji="1" lang="ja-JP" altLang="en-US" smtClean="0"/>
               <a:pPr/>
-              <a:t>2022/6/17</a:t>
+              <a:t>2022/6/18</a:t>
             </a:fld>
             <a:endParaRPr kumimoji="1" lang="ja-JP" altLang="en-US"/>
           </a:p>
@@ -1125,7 +1104,7 @@
     </p:spTree>
     <p:extLst>
       <p:ext uri="{BB962C8B-B14F-4D97-AF65-F5344CB8AC3E}">
-        <p14:creationId xmlns:p14="http://schemas.microsoft.com/office/powerpoint/2010/main" xmlns="" val="1315004973"/>
+        <p14:creationId xmlns="" xmlns:p14="http://schemas.microsoft.com/office/powerpoint/2010/main" val="1315004973"/>
       </p:ext>
     </p:extLst>
   </p:cSld>
@@ -1307,7 +1286,7 @@
             <a:fld id="{7FCC5AE5-E495-4913-B643-A95A6AFABB00}" type="datetimeFigureOut">
               <a:rPr kumimoji="1" lang="ja-JP" altLang="en-US" smtClean="0"/>
               <a:pPr/>
-              <a:t>2022/6/17</a:t>
+              <a:t>2022/6/18</a:t>
             </a:fld>
             <a:endParaRPr kumimoji="1" lang="ja-JP" altLang="en-US"/>
           </a:p>
@@ -1359,7 +1338,7 @@
     </p:spTree>
     <p:extLst>
       <p:ext uri="{BB962C8B-B14F-4D97-AF65-F5344CB8AC3E}">
-        <p14:creationId xmlns:p14="http://schemas.microsoft.com/office/powerpoint/2010/main" xmlns="" val="3048296005"/>
+        <p14:creationId xmlns="" xmlns:p14="http://schemas.microsoft.com/office/powerpoint/2010/main" val="3048296005"/>
       </p:ext>
     </p:extLst>
   </p:cSld>
@@ -1676,7 +1655,7 @@
             <a:fld id="{7FCC5AE5-E495-4913-B643-A95A6AFABB00}" type="datetimeFigureOut">
               <a:rPr kumimoji="1" lang="ja-JP" altLang="en-US" smtClean="0"/>
               <a:pPr/>
-              <a:t>2022/6/17</a:t>
+              <a:t>2022/6/18</a:t>
             </a:fld>
             <a:endParaRPr kumimoji="1" lang="ja-JP" altLang="en-US"/>
           </a:p>
@@ -1728,7 +1707,7 @@
     </p:spTree>
     <p:extLst>
       <p:ext uri="{BB962C8B-B14F-4D97-AF65-F5344CB8AC3E}">
-        <p14:creationId xmlns:p14="http://schemas.microsoft.com/office/powerpoint/2010/main" xmlns="" val="890299385"/>
+        <p14:creationId xmlns="" xmlns:p14="http://schemas.microsoft.com/office/powerpoint/2010/main" val="890299385"/>
       </p:ext>
     </p:extLst>
   </p:cSld>
@@ -1796,7 +1775,7 @@
             <a:fld id="{7FCC5AE5-E495-4913-B643-A95A6AFABB00}" type="datetimeFigureOut">
               <a:rPr kumimoji="1" lang="ja-JP" altLang="en-US" smtClean="0"/>
               <a:pPr/>
-              <a:t>2022/6/17</a:t>
+              <a:t>2022/6/18</a:t>
             </a:fld>
             <a:endParaRPr kumimoji="1" lang="ja-JP" altLang="en-US"/>
           </a:p>
@@ -1848,7 +1827,7 @@
     </p:spTree>
     <p:extLst>
       <p:ext uri="{BB962C8B-B14F-4D97-AF65-F5344CB8AC3E}">
-        <p14:creationId xmlns:p14="http://schemas.microsoft.com/office/powerpoint/2010/main" xmlns="" val="2049573599"/>
+        <p14:creationId xmlns="" xmlns:p14="http://schemas.microsoft.com/office/powerpoint/2010/main" val="2049573599"/>
       </p:ext>
     </p:extLst>
   </p:cSld>
@@ -1893,7 +1872,7 @@
             <a:fld id="{7FCC5AE5-E495-4913-B643-A95A6AFABB00}" type="datetimeFigureOut">
               <a:rPr kumimoji="1" lang="ja-JP" altLang="en-US" smtClean="0"/>
               <a:pPr/>
-              <a:t>2022/6/17</a:t>
+              <a:t>2022/6/18</a:t>
             </a:fld>
             <a:endParaRPr kumimoji="1" lang="ja-JP" altLang="en-US"/>
           </a:p>
@@ -1945,7 +1924,7 @@
     </p:spTree>
     <p:extLst>
       <p:ext uri="{BB962C8B-B14F-4D97-AF65-F5344CB8AC3E}">
-        <p14:creationId xmlns:p14="http://schemas.microsoft.com/office/powerpoint/2010/main" xmlns="" val="1896888541"/>
+        <p14:creationId xmlns="" xmlns:p14="http://schemas.microsoft.com/office/powerpoint/2010/main" val="1896888541"/>
       </p:ext>
     </p:extLst>
   </p:cSld>
@@ -2172,7 +2151,7 @@
             <a:fld id="{7FCC5AE5-E495-4913-B643-A95A6AFABB00}" type="datetimeFigureOut">
               <a:rPr kumimoji="1" lang="ja-JP" altLang="en-US" smtClean="0"/>
               <a:pPr/>
-              <a:t>2022/6/17</a:t>
+              <a:t>2022/6/18</a:t>
             </a:fld>
             <a:endParaRPr kumimoji="1" lang="ja-JP" altLang="en-US"/>
           </a:p>
@@ -2224,7 +2203,7 @@
     </p:spTree>
     <p:extLst>
       <p:ext uri="{BB962C8B-B14F-4D97-AF65-F5344CB8AC3E}">
-        <p14:creationId xmlns:p14="http://schemas.microsoft.com/office/powerpoint/2010/main" xmlns="" val="1581260034"/>
+        <p14:creationId xmlns="" xmlns:p14="http://schemas.microsoft.com/office/powerpoint/2010/main" val="1581260034"/>
       </p:ext>
     </p:extLst>
   </p:cSld>
@@ -2431,7 +2410,7 @@
             <a:fld id="{7FCC5AE5-E495-4913-B643-A95A6AFABB00}" type="datetimeFigureOut">
               <a:rPr kumimoji="1" lang="ja-JP" altLang="en-US" smtClean="0"/>
               <a:pPr/>
-              <a:t>2022/6/17</a:t>
+              <a:t>2022/6/18</a:t>
             </a:fld>
             <a:endParaRPr kumimoji="1" lang="ja-JP" altLang="en-US"/>
           </a:p>
@@ -2483,7 +2462,7 @@
     </p:spTree>
     <p:extLst>
       <p:ext uri="{BB962C8B-B14F-4D97-AF65-F5344CB8AC3E}">
-        <p14:creationId xmlns:p14="http://schemas.microsoft.com/office/powerpoint/2010/main" xmlns="" val="2397771766"/>
+        <p14:creationId xmlns="" xmlns:p14="http://schemas.microsoft.com/office/powerpoint/2010/main" val="2397771766"/>
       </p:ext>
     </p:extLst>
   </p:cSld>
@@ -2646,7 +2625,7 @@
             <a:fld id="{7FCC5AE5-E495-4913-B643-A95A6AFABB00}" type="datetimeFigureOut">
               <a:rPr kumimoji="1" lang="ja-JP" altLang="en-US" smtClean="0"/>
               <a:pPr/>
-              <a:t>2022/6/17</a:t>
+              <a:t>2022/6/18</a:t>
             </a:fld>
             <a:endParaRPr kumimoji="1" lang="ja-JP" altLang="en-US"/>
           </a:p>
@@ -2736,7 +2715,7 @@
           <p:cNvPr id="7" name="TextBox 6">
             <a:extLst>
               <a:ext uri="{FF2B5EF4-FFF2-40B4-BE49-F238E27FC236}">
-                <a16:creationId xmlns:a16="http://schemas.microsoft.com/office/drawing/2014/main" xmlns="" id="{847969B0-9AAB-4EBF-AF99-17A470D83F03}"/>
+                <a16:creationId xmlns="" xmlns:a16="http://schemas.microsoft.com/office/drawing/2014/main" id="{847969B0-9AAB-4EBF-AF99-17A470D83F03}"/>
               </a:ext>
             </a:extLst>
           </p:cNvPr>
@@ -2783,7 +2762,7 @@
     </p:spTree>
     <p:extLst>
       <p:ext uri="{BB962C8B-B14F-4D97-AF65-F5344CB8AC3E}">
-        <p14:creationId xmlns:p14="http://schemas.microsoft.com/office/powerpoint/2010/main" xmlns="" val="492407304"/>
+        <p14:creationId xmlns="" xmlns:p14="http://schemas.microsoft.com/office/powerpoint/2010/main" val="492407304"/>
       </p:ext>
     </p:extLst>
   </p:cSld>
@@ -3218,15 +3197,7 @@
                   <a:srgbClr val="0064B5"/>
                 </a:solidFill>
               </a:rPr>
-              <a:t>tag,</a:t>
-            </a:r>
-            <a:r>
-              <a:rPr lang="en-US" altLang="ja-JP" sz="5400" b="1" dirty="0" err="1" smtClean="0">
-                <a:solidFill>
-                  <a:srgbClr val="0064B5"/>
-                </a:solidFill>
-              </a:rPr>
-              <a:t>semantic</a:t>
+              <a:t>tag,semantic</a:t>
             </a:r>
             <a:r>
               <a:rPr lang="en-US" altLang="ja-JP" sz="5400" b="1" dirty="0" smtClean="0">
@@ -3255,7 +3226,7 @@
     </p:spTree>
     <p:extLst>
       <p:ext uri="{BB962C8B-B14F-4D97-AF65-F5344CB8AC3E}">
-        <p14:creationId xmlns:p14="http://schemas.microsoft.com/office/powerpoint/2010/main" xmlns="" val="4062787881"/>
+        <p14:creationId xmlns="" xmlns:p14="http://schemas.microsoft.com/office/powerpoint/2010/main" val="4062787881"/>
       </p:ext>
     </p:extLst>
   </p:cSld>
@@ -4697,7 +4668,7 @@
     </p:spTree>
     <p:extLst>
       <p:ext uri="{BB962C8B-B14F-4D97-AF65-F5344CB8AC3E}">
-        <p14:creationId xmlns="" xmlns:p14="http://schemas.microsoft.com/office/powerpoint/2010/main" val="1328577666"/>
+        <p14:creationId xmlns:p14="http://schemas.microsoft.com/office/powerpoint/2010/main" xmlns="" val="1328577666"/>
       </p:ext>
     </p:extLst>
   </p:cSld>
@@ -5485,580 +5456,6 @@
 </p:sld>
 </file>
 
-<file path=ppt/slides/slide25.xml><?xml version="1.0" encoding="utf-8"?>
-<p:sld xmlns:a="http://schemas.openxmlformats.org/drawingml/2006/main" xmlns:r="http://schemas.openxmlformats.org/officeDocument/2006/relationships" xmlns:p="http://schemas.openxmlformats.org/presentationml/2006/main">
-  <p:cSld>
-    <p:spTree>
-      <p:nvGrpSpPr>
-        <p:cNvPr id="1" name=""/>
-        <p:cNvGrpSpPr/>
-        <p:nvPr/>
-      </p:nvGrpSpPr>
-      <p:grpSpPr>
-        <a:xfrm>
-          <a:off x="0" y="0"/>
-          <a:ext cx="0" cy="0"/>
-          <a:chOff x="0" y="0"/>
-          <a:chExt cx="0" cy="0"/>
-        </a:xfrm>
-      </p:grpSpPr>
-      <p:sp>
-        <p:nvSpPr>
-          <p:cNvPr id="2" name="Title 1"/>
-          <p:cNvSpPr>
-            <a:spLocks noGrp="1"/>
-          </p:cNvSpPr>
-          <p:nvPr>
-            <p:ph type="title"/>
-          </p:nvPr>
-        </p:nvSpPr>
-        <p:spPr/>
-        <p:txBody>
-          <a:bodyPr/>
-          <a:lstStyle/>
-          <a:p>
-            <a:r>
-              <a:rPr lang="en-US" dirty="0" smtClean="0"/>
-              <a:t>I</a:t>
-            </a:r>
-            <a:r>
-              <a:rPr lang="en-US" dirty="0" smtClean="0"/>
-              <a:t>mage</a:t>
-            </a:r>
-            <a:endParaRPr lang="en-US" dirty="0"/>
-          </a:p>
-        </p:txBody>
-      </p:sp>
-      <p:sp>
-        <p:nvSpPr>
-          <p:cNvPr id="3" name="Content Placeholder 2"/>
-          <p:cNvSpPr>
-            <a:spLocks noGrp="1"/>
-          </p:cNvSpPr>
-          <p:nvPr>
-            <p:ph idx="1"/>
-          </p:nvPr>
-        </p:nvSpPr>
-        <p:spPr>
-          <a:xfrm>
-            <a:off x="838200" y="1825625"/>
-            <a:ext cx="10709366" cy="4744992"/>
-          </a:xfrm>
-        </p:spPr>
-        <p:txBody>
-          <a:bodyPr>
-            <a:normAutofit fontScale="92500"/>
-          </a:bodyPr>
-          <a:lstStyle/>
-          <a:p>
-            <a:pPr marL="285750" indent="-285750">
-              <a:lnSpc>
-                <a:spcPct val="150000"/>
-              </a:lnSpc>
-            </a:pPr>
-            <a:r>
-              <a:rPr lang="en-US" altLang="ja-JP" b="1" u="sng" dirty="0" smtClean="0"/>
-              <a:t>HTML Images</a:t>
-            </a:r>
-          </a:p>
-          <a:p>
-            <a:pPr marL="285750" lvl="0" indent="-285750">
-              <a:lnSpc>
-                <a:spcPct val="150000"/>
-              </a:lnSpc>
-            </a:pPr>
-            <a:r>
-              <a:rPr lang="en-US" altLang="ja-JP" dirty="0" smtClean="0"/>
-              <a:t>Use the HTML &lt;</a:t>
-            </a:r>
-            <a:r>
-              <a:rPr lang="en-US" altLang="ja-JP" dirty="0" err="1" smtClean="0"/>
-              <a:t>img</a:t>
-            </a:r>
-            <a:r>
-              <a:rPr lang="en-US" altLang="ja-JP" dirty="0" smtClean="0"/>
-              <a:t>&gt; element to define an image.</a:t>
-            </a:r>
-          </a:p>
-          <a:p>
-            <a:pPr marL="285750" lvl="0" indent="-285750">
-              <a:lnSpc>
-                <a:spcPct val="150000"/>
-              </a:lnSpc>
-            </a:pPr>
-            <a:r>
-              <a:rPr lang="en-US" altLang="ja-JP" dirty="0" smtClean="0"/>
-              <a:t>Use the HTML </a:t>
-            </a:r>
-            <a:r>
-              <a:rPr lang="en-US" altLang="ja-JP" dirty="0" err="1" smtClean="0"/>
-              <a:t>src</a:t>
-            </a:r>
-            <a:r>
-              <a:rPr lang="en-US" altLang="ja-JP" dirty="0" smtClean="0"/>
-              <a:t> attribute to define the URL of the image.</a:t>
-            </a:r>
-          </a:p>
-          <a:p>
-            <a:pPr marL="285750" lvl="0" indent="-285750">
-              <a:lnSpc>
-                <a:spcPct val="150000"/>
-              </a:lnSpc>
-            </a:pPr>
-            <a:r>
-              <a:rPr lang="en-US" altLang="ja-JP" dirty="0" smtClean="0"/>
-              <a:t>Use the HTML alt attribute to define an alternate text for an image, if it cannot be displayed.</a:t>
-            </a:r>
-          </a:p>
-          <a:p>
-            <a:pPr marL="285750" lvl="0" indent="-285750">
-              <a:lnSpc>
-                <a:spcPct val="150000"/>
-              </a:lnSpc>
-            </a:pPr>
-            <a:r>
-              <a:rPr lang="en-US" altLang="ja-JP" dirty="0" smtClean="0"/>
-              <a:t>Use the HTML width and height attributes to define the size of the image</a:t>
-            </a:r>
-          </a:p>
-          <a:p>
-            <a:endParaRPr lang="en-US" dirty="0"/>
-          </a:p>
-        </p:txBody>
-      </p:sp>
-    </p:spTree>
-  </p:cSld>
-  <p:clrMapOvr>
-    <a:masterClrMapping/>
-  </p:clrMapOvr>
-</p:sld>
-</file>
-
-<file path=ppt/slides/slide26.xml><?xml version="1.0" encoding="utf-8"?>
-<p:sld xmlns:a="http://schemas.openxmlformats.org/drawingml/2006/main" xmlns:r="http://schemas.openxmlformats.org/officeDocument/2006/relationships" xmlns:p="http://schemas.openxmlformats.org/presentationml/2006/main">
-  <p:cSld>
-    <p:spTree>
-      <p:nvGrpSpPr>
-        <p:cNvPr id="1" name=""/>
-        <p:cNvGrpSpPr/>
-        <p:nvPr/>
-      </p:nvGrpSpPr>
-      <p:grpSpPr>
-        <a:xfrm>
-          <a:off x="0" y="0"/>
-          <a:ext cx="0" cy="0"/>
-          <a:chOff x="0" y="0"/>
-          <a:chExt cx="0" cy="0"/>
-        </a:xfrm>
-      </p:grpSpPr>
-      <p:sp>
-        <p:nvSpPr>
-          <p:cNvPr id="2" name="Title 1"/>
-          <p:cNvSpPr>
-            <a:spLocks noGrp="1"/>
-          </p:cNvSpPr>
-          <p:nvPr>
-            <p:ph type="title"/>
-          </p:nvPr>
-        </p:nvSpPr>
-        <p:spPr/>
-        <p:txBody>
-          <a:bodyPr/>
-          <a:lstStyle/>
-          <a:p>
-            <a:r>
-              <a:rPr lang="en-US" dirty="0" smtClean="0"/>
-              <a:t>Image continue</a:t>
-            </a:r>
-            <a:endParaRPr lang="en-US" dirty="0"/>
-          </a:p>
-        </p:txBody>
-      </p:sp>
-      <p:sp>
-        <p:nvSpPr>
-          <p:cNvPr id="4" name="Content Placeholder 3"/>
-          <p:cNvSpPr>
-            <a:spLocks noGrp="1"/>
-          </p:cNvSpPr>
-          <p:nvPr>
-            <p:ph idx="1"/>
-          </p:nvPr>
-        </p:nvSpPr>
-        <p:spPr>
-          <a:prstGeom prst="rect">
-            <a:avLst/>
-          </a:prstGeom>
-          <a:gradFill flip="none" rotWithShape="1">
-            <a:gsLst>
-              <a:gs pos="0">
-                <a:schemeClr val="bg2"/>
-              </a:gs>
-              <a:gs pos="50000">
-                <a:schemeClr val="accent3">
-                  <a:lumMod val="20000"/>
-                  <a:lumOff val="80000"/>
-                  <a:shade val="67500"/>
-                  <a:satMod val="115000"/>
-                </a:schemeClr>
-              </a:gs>
-              <a:gs pos="100000">
-                <a:schemeClr val="accent3">
-                  <a:lumMod val="20000"/>
-                  <a:lumOff val="80000"/>
-                  <a:shade val="100000"/>
-                  <a:satMod val="115000"/>
-                </a:schemeClr>
-              </a:gs>
-            </a:gsLst>
-            <a:lin ang="6600000" scaled="0"/>
-            <a:tileRect/>
-          </a:gradFill>
-          <a:ln>
-            <a:solidFill>
-              <a:schemeClr val="tx1">
-                <a:lumMod val="50000"/>
-                <a:lumOff val="50000"/>
-              </a:schemeClr>
-            </a:solidFill>
-          </a:ln>
-        </p:spPr>
-        <p:style>
-          <a:lnRef idx="2">
-            <a:schemeClr val="accent1">
-              <a:shade val="50000"/>
-            </a:schemeClr>
-          </a:lnRef>
-          <a:fillRef idx="1">
-            <a:schemeClr val="accent1"/>
-          </a:fillRef>
-          <a:effectRef idx="0">
-            <a:schemeClr val="accent1"/>
-          </a:effectRef>
-          <a:fontRef idx="minor">
-            <a:schemeClr val="lt1"/>
-          </a:fontRef>
-        </p:style>
-        <p:txBody>
-          <a:bodyPr rtlCol="0" anchor="ctr"/>
-          <a:lstStyle/>
-          <a:p>
-            <a:r>
-              <a:rPr lang="en-US" dirty="0">
-                <a:solidFill>
-                  <a:schemeClr val="tx1"/>
-                </a:solidFill>
-              </a:rPr>
-              <a:t>&lt;</a:t>
-            </a:r>
-            <a:r>
-              <a:rPr lang="en-US" dirty="0" err="1">
-                <a:solidFill>
-                  <a:schemeClr val="tx1"/>
-                </a:solidFill>
-              </a:rPr>
-              <a:t>img</a:t>
-            </a:r>
-            <a:r>
-              <a:rPr lang="en-US" dirty="0">
-                <a:solidFill>
-                  <a:schemeClr val="tx1"/>
-                </a:solidFill>
-              </a:rPr>
-              <a:t> </a:t>
-            </a:r>
-            <a:r>
-              <a:rPr lang="en-US" dirty="0" err="1">
-                <a:solidFill>
-                  <a:schemeClr val="tx1"/>
-                </a:solidFill>
-              </a:rPr>
-              <a:t>src</a:t>
-            </a:r>
-            <a:r>
-              <a:rPr lang="en-US" dirty="0">
-                <a:solidFill>
-                  <a:schemeClr val="tx1"/>
-                </a:solidFill>
-              </a:rPr>
-              <a:t>="credologo.jpg" alt="credosystemz.com" width="104" height="142"&gt;</a:t>
-            </a:r>
-          </a:p>
-        </p:txBody>
-      </p:sp>
-    </p:spTree>
-  </p:cSld>
-  <p:clrMapOvr>
-    <a:masterClrMapping/>
-  </p:clrMapOvr>
-</p:sld>
-</file>
-
-<file path=ppt/slides/slide27.xml><?xml version="1.0" encoding="utf-8"?>
-<p:sld xmlns:a="http://schemas.openxmlformats.org/drawingml/2006/main" xmlns:r="http://schemas.openxmlformats.org/officeDocument/2006/relationships" xmlns:p="http://schemas.openxmlformats.org/presentationml/2006/main">
-  <p:cSld>
-    <p:spTree>
-      <p:nvGrpSpPr>
-        <p:cNvPr id="1" name=""/>
-        <p:cNvGrpSpPr/>
-        <p:nvPr/>
-      </p:nvGrpSpPr>
-      <p:grpSpPr>
-        <a:xfrm>
-          <a:off x="0" y="0"/>
-          <a:ext cx="0" cy="0"/>
-          <a:chOff x="0" y="0"/>
-          <a:chExt cx="0" cy="0"/>
-        </a:xfrm>
-      </p:grpSpPr>
-      <p:sp>
-        <p:nvSpPr>
-          <p:cNvPr id="2" name="Title 1"/>
-          <p:cNvSpPr>
-            <a:spLocks noGrp="1"/>
-          </p:cNvSpPr>
-          <p:nvPr>
-            <p:ph type="title"/>
-          </p:nvPr>
-        </p:nvSpPr>
-        <p:spPr/>
-        <p:txBody>
-          <a:bodyPr/>
-          <a:lstStyle/>
-          <a:p>
-            <a:r>
-              <a:rPr lang="en-US" dirty="0" smtClean="0"/>
-              <a:t>Question</a:t>
-            </a:r>
-            <a:endParaRPr lang="en-US" dirty="0"/>
-          </a:p>
-        </p:txBody>
-      </p:sp>
-      <p:pic>
-        <p:nvPicPr>
-          <p:cNvPr id="52226" name="Picture 2"/>
-          <p:cNvPicPr>
-            <a:picLocks noGrp="1" noChangeAspect="1" noChangeArrowheads="1"/>
-          </p:cNvPicPr>
-          <p:nvPr>
-            <p:ph idx="1"/>
-          </p:nvPr>
-        </p:nvPicPr>
-        <p:blipFill>
-          <a:blip r:embed="rId2"/>
-          <a:srcRect/>
-          <a:stretch>
-            <a:fillRect/>
-          </a:stretch>
-        </p:blipFill>
-        <p:spPr bwMode="auto">
-          <a:xfrm>
-            <a:off x="1564822" y="2015739"/>
-            <a:ext cx="6455772" cy="2386443"/>
-          </a:xfrm>
-          <a:prstGeom prst="rect">
-            <a:avLst/>
-          </a:prstGeom>
-          <a:noFill/>
-          <a:ln w="9525">
-            <a:noFill/>
-            <a:miter lim="800000"/>
-            <a:headEnd/>
-            <a:tailEnd/>
-          </a:ln>
-          <a:effectLst/>
-        </p:spPr>
-      </p:pic>
-    </p:spTree>
-  </p:cSld>
-  <p:clrMapOvr>
-    <a:masterClrMapping/>
-  </p:clrMapOvr>
-</p:sld>
-</file>
-
-<file path=ppt/slides/slide28.xml><?xml version="1.0" encoding="utf-8"?>
-<p:sld xmlns:a="http://schemas.openxmlformats.org/drawingml/2006/main" xmlns:r="http://schemas.openxmlformats.org/officeDocument/2006/relationships" xmlns:p="http://schemas.openxmlformats.org/presentationml/2006/main">
-  <p:cSld>
-    <p:spTree>
-      <p:nvGrpSpPr>
-        <p:cNvPr id="1" name=""/>
-        <p:cNvGrpSpPr/>
-        <p:nvPr/>
-      </p:nvGrpSpPr>
-      <p:grpSpPr>
-        <a:xfrm>
-          <a:off x="0" y="0"/>
-          <a:ext cx="0" cy="0"/>
-          <a:chOff x="0" y="0"/>
-          <a:chExt cx="0" cy="0"/>
-        </a:xfrm>
-      </p:grpSpPr>
-      <p:sp>
-        <p:nvSpPr>
-          <p:cNvPr id="2" name="Title 1"/>
-          <p:cNvSpPr>
-            <a:spLocks noGrp="1"/>
-          </p:cNvSpPr>
-          <p:nvPr>
-            <p:ph type="title"/>
-          </p:nvPr>
-        </p:nvSpPr>
-        <p:spPr/>
-        <p:txBody>
-          <a:bodyPr/>
-          <a:lstStyle/>
-          <a:p>
-            <a:r>
-              <a:rPr lang="en-US" dirty="0" smtClean="0"/>
-              <a:t>Question</a:t>
-            </a:r>
-            <a:endParaRPr lang="en-US" dirty="0"/>
-          </a:p>
-        </p:txBody>
-      </p:sp>
-      <p:sp>
-        <p:nvSpPr>
-          <p:cNvPr id="3" name="Content Placeholder 2"/>
-          <p:cNvSpPr>
-            <a:spLocks noGrp="1"/>
-          </p:cNvSpPr>
-          <p:nvPr>
-            <p:ph idx="1"/>
-          </p:nvPr>
-        </p:nvSpPr>
-        <p:spPr/>
-        <p:txBody>
-          <a:bodyPr/>
-          <a:lstStyle/>
-          <a:p>
-            <a:endParaRPr lang="en-US"/>
-          </a:p>
-        </p:txBody>
-      </p:sp>
-      <p:pic>
-        <p:nvPicPr>
-          <p:cNvPr id="53250" name="Picture 2"/>
-          <p:cNvPicPr>
-            <a:picLocks noChangeAspect="1" noChangeArrowheads="1"/>
-          </p:cNvPicPr>
-          <p:nvPr/>
-        </p:nvPicPr>
-        <p:blipFill>
-          <a:blip r:embed="rId2"/>
-          <a:srcRect/>
-          <a:stretch>
-            <a:fillRect/>
-          </a:stretch>
-        </p:blipFill>
-        <p:spPr bwMode="auto">
-          <a:xfrm>
-            <a:off x="849086" y="1804988"/>
-            <a:ext cx="6910251" cy="3248025"/>
-          </a:xfrm>
-          <a:prstGeom prst="rect">
-            <a:avLst/>
-          </a:prstGeom>
-          <a:noFill/>
-          <a:ln w="9525">
-            <a:noFill/>
-            <a:miter lim="800000"/>
-            <a:headEnd/>
-            <a:tailEnd/>
-          </a:ln>
-          <a:effectLst/>
-        </p:spPr>
-      </p:pic>
-    </p:spTree>
-  </p:cSld>
-  <p:clrMapOvr>
-    <a:masterClrMapping/>
-  </p:clrMapOvr>
-</p:sld>
-</file>
-
-<file path=ppt/slides/slide29.xml><?xml version="1.0" encoding="utf-8"?>
-<p:sld xmlns:a="http://schemas.openxmlformats.org/drawingml/2006/main" xmlns:r="http://schemas.openxmlformats.org/officeDocument/2006/relationships" xmlns:p="http://schemas.openxmlformats.org/presentationml/2006/main">
-  <p:cSld>
-    <p:spTree>
-      <p:nvGrpSpPr>
-        <p:cNvPr id="1" name=""/>
-        <p:cNvGrpSpPr/>
-        <p:nvPr/>
-      </p:nvGrpSpPr>
-      <p:grpSpPr>
-        <a:xfrm>
-          <a:off x="0" y="0"/>
-          <a:ext cx="0" cy="0"/>
-          <a:chOff x="0" y="0"/>
-          <a:chExt cx="0" cy="0"/>
-        </a:xfrm>
-      </p:grpSpPr>
-      <p:sp>
-        <p:nvSpPr>
-          <p:cNvPr id="2" name="Title 1"/>
-          <p:cNvSpPr>
-            <a:spLocks noGrp="1"/>
-          </p:cNvSpPr>
-          <p:nvPr>
-            <p:ph type="title"/>
-          </p:nvPr>
-        </p:nvSpPr>
-        <p:spPr/>
-        <p:txBody>
-          <a:bodyPr/>
-          <a:lstStyle/>
-          <a:p>
-            <a:r>
-              <a:rPr lang="en-US" dirty="0" smtClean="0"/>
-              <a:t>Question</a:t>
-            </a:r>
-            <a:endParaRPr lang="en-US" dirty="0"/>
-          </a:p>
-        </p:txBody>
-      </p:sp>
-      <p:pic>
-        <p:nvPicPr>
-          <p:cNvPr id="54274" name="Picture 2"/>
-          <p:cNvPicPr>
-            <a:picLocks noGrp="1" noChangeAspect="1" noChangeArrowheads="1"/>
-          </p:cNvPicPr>
-          <p:nvPr>
-            <p:ph idx="1"/>
-          </p:nvPr>
-        </p:nvPicPr>
-        <p:blipFill>
-          <a:blip r:embed="rId2"/>
-          <a:srcRect/>
-          <a:stretch>
-            <a:fillRect/>
-          </a:stretch>
-        </p:blipFill>
-        <p:spPr bwMode="auto">
-          <a:xfrm>
-            <a:off x="927464" y="2011680"/>
-            <a:ext cx="7754574" cy="3566001"/>
-          </a:xfrm>
-          <a:prstGeom prst="rect">
-            <a:avLst/>
-          </a:prstGeom>
-          <a:noFill/>
-          <a:ln w="9525">
-            <a:noFill/>
-            <a:miter lim="800000"/>
-            <a:headEnd/>
-            <a:tailEnd/>
-          </a:ln>
-          <a:effectLst/>
-        </p:spPr>
-      </p:pic>
-    </p:spTree>
-  </p:cSld>
-  <p:clrMapOvr>
-    <a:masterClrMapping/>
-  </p:clrMapOvr>
-</p:sld>
-</file>
-
 <file path=ppt/slides/slide3.xml><?xml version="1.0" encoding="utf-8"?>
 <p:sld xmlns:a="http://schemas.openxmlformats.org/drawingml/2006/main" xmlns:r="http://schemas.openxmlformats.org/officeDocument/2006/relationships" xmlns:p="http://schemas.openxmlformats.org/presentationml/2006/main">
   <p:cSld>
@@ -6175,1018 +5572,6 @@
 </p:sld>
 </file>
 
-<file path=ppt/slides/slide30.xml><?xml version="1.0" encoding="utf-8"?>
-<p:sld xmlns:a="http://schemas.openxmlformats.org/drawingml/2006/main" xmlns:r="http://schemas.openxmlformats.org/officeDocument/2006/relationships" xmlns:p="http://schemas.openxmlformats.org/presentationml/2006/main">
-  <p:cSld>
-    <p:spTree>
-      <p:nvGrpSpPr>
-        <p:cNvPr id="1" name=""/>
-        <p:cNvGrpSpPr/>
-        <p:nvPr/>
-      </p:nvGrpSpPr>
-      <p:grpSpPr>
-        <a:xfrm>
-          <a:off x="0" y="0"/>
-          <a:ext cx="0" cy="0"/>
-          <a:chOff x="0" y="0"/>
-          <a:chExt cx="0" cy="0"/>
-        </a:xfrm>
-      </p:grpSpPr>
-      <p:sp>
-        <p:nvSpPr>
-          <p:cNvPr id="2" name="Title 1"/>
-          <p:cNvSpPr>
-            <a:spLocks noGrp="1"/>
-          </p:cNvSpPr>
-          <p:nvPr>
-            <p:ph type="title"/>
-          </p:nvPr>
-        </p:nvSpPr>
-        <p:spPr/>
-        <p:txBody>
-          <a:bodyPr/>
-          <a:lstStyle/>
-          <a:p>
-            <a:r>
-              <a:rPr lang="en-US" dirty="0" smtClean="0"/>
-              <a:t>Question</a:t>
-            </a:r>
-            <a:endParaRPr lang="en-US" dirty="0"/>
-          </a:p>
-        </p:txBody>
-      </p:sp>
-      <p:pic>
-        <p:nvPicPr>
-          <p:cNvPr id="55298" name="Picture 2"/>
-          <p:cNvPicPr>
-            <a:picLocks noGrp="1" noChangeAspect="1" noChangeArrowheads="1"/>
-          </p:cNvPicPr>
-          <p:nvPr>
-            <p:ph idx="1"/>
-          </p:nvPr>
-        </p:nvPicPr>
-        <p:blipFill>
-          <a:blip r:embed="rId2"/>
-          <a:srcRect/>
-          <a:stretch>
-            <a:fillRect/>
-          </a:stretch>
-        </p:blipFill>
-        <p:spPr bwMode="auto">
-          <a:xfrm>
-            <a:off x="1084217" y="1867989"/>
-            <a:ext cx="7535908" cy="3827417"/>
-          </a:xfrm>
-          <a:prstGeom prst="rect">
-            <a:avLst/>
-          </a:prstGeom>
-          <a:noFill/>
-          <a:ln w="9525">
-            <a:noFill/>
-            <a:miter lim="800000"/>
-            <a:headEnd/>
-            <a:tailEnd/>
-          </a:ln>
-          <a:effectLst/>
-        </p:spPr>
-      </p:pic>
-    </p:spTree>
-  </p:cSld>
-  <p:clrMapOvr>
-    <a:masterClrMapping/>
-  </p:clrMapOvr>
-</p:sld>
-</file>
-
-<file path=ppt/slides/slide31.xml><?xml version="1.0" encoding="utf-8"?>
-<p:sld xmlns:a="http://schemas.openxmlformats.org/drawingml/2006/main" xmlns:r="http://schemas.openxmlformats.org/officeDocument/2006/relationships" xmlns:p="http://schemas.openxmlformats.org/presentationml/2006/main">
-  <p:cSld>
-    <p:spTree>
-      <p:nvGrpSpPr>
-        <p:cNvPr id="1" name=""/>
-        <p:cNvGrpSpPr/>
-        <p:nvPr/>
-      </p:nvGrpSpPr>
-      <p:grpSpPr>
-        <a:xfrm>
-          <a:off x="0" y="0"/>
-          <a:ext cx="0" cy="0"/>
-          <a:chOff x="0" y="0"/>
-          <a:chExt cx="0" cy="0"/>
-        </a:xfrm>
-      </p:grpSpPr>
-      <p:sp>
-        <p:nvSpPr>
-          <p:cNvPr id="2" name="Title 1"/>
-          <p:cNvSpPr>
-            <a:spLocks noGrp="1"/>
-          </p:cNvSpPr>
-          <p:nvPr>
-            <p:ph type="title"/>
-          </p:nvPr>
-        </p:nvSpPr>
-        <p:spPr/>
-        <p:txBody>
-          <a:bodyPr/>
-          <a:lstStyle/>
-          <a:p>
-            <a:r>
-              <a:rPr lang="en-US" dirty="0" smtClean="0"/>
-              <a:t>Question</a:t>
-            </a:r>
-            <a:endParaRPr lang="en-US" dirty="0"/>
-          </a:p>
-        </p:txBody>
-      </p:sp>
-      <p:pic>
-        <p:nvPicPr>
-          <p:cNvPr id="56322" name="Picture 2"/>
-          <p:cNvPicPr>
-            <a:picLocks noGrp="1" noChangeAspect="1" noChangeArrowheads="1"/>
-          </p:cNvPicPr>
-          <p:nvPr>
-            <p:ph idx="1"/>
-          </p:nvPr>
-        </p:nvPicPr>
-        <p:blipFill>
-          <a:blip r:embed="rId2"/>
-          <a:srcRect/>
-          <a:stretch>
-            <a:fillRect/>
-          </a:stretch>
-        </p:blipFill>
-        <p:spPr bwMode="auto">
-          <a:xfrm>
-            <a:off x="796834" y="1750424"/>
-            <a:ext cx="9170126" cy="3922508"/>
-          </a:xfrm>
-          <a:prstGeom prst="rect">
-            <a:avLst/>
-          </a:prstGeom>
-          <a:noFill/>
-          <a:ln w="9525">
-            <a:noFill/>
-            <a:miter lim="800000"/>
-            <a:headEnd/>
-            <a:tailEnd/>
-          </a:ln>
-          <a:effectLst/>
-        </p:spPr>
-      </p:pic>
-    </p:spTree>
-  </p:cSld>
-  <p:clrMapOvr>
-    <a:masterClrMapping/>
-  </p:clrMapOvr>
-</p:sld>
-</file>
-
-<file path=ppt/slides/slide32.xml><?xml version="1.0" encoding="utf-8"?>
-<p:sld xmlns:a="http://schemas.openxmlformats.org/drawingml/2006/main" xmlns:r="http://schemas.openxmlformats.org/officeDocument/2006/relationships" xmlns:p="http://schemas.openxmlformats.org/presentationml/2006/main">
-  <p:cSld>
-    <p:spTree>
-      <p:nvGrpSpPr>
-        <p:cNvPr id="1" name=""/>
-        <p:cNvGrpSpPr/>
-        <p:nvPr/>
-      </p:nvGrpSpPr>
-      <p:grpSpPr>
-        <a:xfrm>
-          <a:off x="0" y="0"/>
-          <a:ext cx="0" cy="0"/>
-          <a:chOff x="0" y="0"/>
-          <a:chExt cx="0" cy="0"/>
-        </a:xfrm>
-      </p:grpSpPr>
-      <p:sp>
-        <p:nvSpPr>
-          <p:cNvPr id="2" name="Title 1"/>
-          <p:cNvSpPr>
-            <a:spLocks noGrp="1"/>
-          </p:cNvSpPr>
-          <p:nvPr>
-            <p:ph type="title"/>
-          </p:nvPr>
-        </p:nvSpPr>
-        <p:spPr/>
-        <p:txBody>
-          <a:bodyPr/>
-          <a:lstStyle/>
-          <a:p>
-            <a:r>
-              <a:rPr lang="en-US" dirty="0" smtClean="0"/>
-              <a:t>Question</a:t>
-            </a:r>
-            <a:endParaRPr lang="en-US" dirty="0"/>
-          </a:p>
-        </p:txBody>
-      </p:sp>
-      <p:sp>
-        <p:nvSpPr>
-          <p:cNvPr id="3" name="Content Placeholder 2"/>
-          <p:cNvSpPr>
-            <a:spLocks noGrp="1"/>
-          </p:cNvSpPr>
-          <p:nvPr>
-            <p:ph idx="1"/>
-          </p:nvPr>
-        </p:nvSpPr>
-        <p:spPr/>
-        <p:txBody>
-          <a:bodyPr/>
-          <a:lstStyle/>
-          <a:p>
-            <a:endParaRPr lang="en-US"/>
-          </a:p>
-        </p:txBody>
-      </p:sp>
-      <p:pic>
-        <p:nvPicPr>
-          <p:cNvPr id="57346" name="Picture 2"/>
-          <p:cNvPicPr>
-            <a:picLocks noChangeAspect="1" noChangeArrowheads="1"/>
-          </p:cNvPicPr>
-          <p:nvPr/>
-        </p:nvPicPr>
-        <p:blipFill>
-          <a:blip r:embed="rId2"/>
-          <a:srcRect/>
-          <a:stretch>
-            <a:fillRect/>
-          </a:stretch>
-        </p:blipFill>
-        <p:spPr bwMode="auto">
-          <a:xfrm>
-            <a:off x="685800" y="1800496"/>
-            <a:ext cx="8327572" cy="3725092"/>
-          </a:xfrm>
-          <a:prstGeom prst="rect">
-            <a:avLst/>
-          </a:prstGeom>
-          <a:noFill/>
-          <a:ln w="9525">
-            <a:noFill/>
-            <a:miter lim="800000"/>
-            <a:headEnd/>
-            <a:tailEnd/>
-          </a:ln>
-          <a:effectLst/>
-        </p:spPr>
-      </p:pic>
-    </p:spTree>
-  </p:cSld>
-  <p:clrMapOvr>
-    <a:masterClrMapping/>
-  </p:clrMapOvr>
-</p:sld>
-</file>
-
-<file path=ppt/slides/slide33.xml><?xml version="1.0" encoding="utf-8"?>
-<p:sld xmlns:a="http://schemas.openxmlformats.org/drawingml/2006/main" xmlns:r="http://schemas.openxmlformats.org/officeDocument/2006/relationships" xmlns:p="http://schemas.openxmlformats.org/presentationml/2006/main">
-  <p:cSld>
-    <p:spTree>
-      <p:nvGrpSpPr>
-        <p:cNvPr id="1" name=""/>
-        <p:cNvGrpSpPr/>
-        <p:nvPr/>
-      </p:nvGrpSpPr>
-      <p:grpSpPr>
-        <a:xfrm>
-          <a:off x="0" y="0"/>
-          <a:ext cx="0" cy="0"/>
-          <a:chOff x="0" y="0"/>
-          <a:chExt cx="0" cy="0"/>
-        </a:xfrm>
-      </p:grpSpPr>
-      <p:sp>
-        <p:nvSpPr>
-          <p:cNvPr id="2" name="Title 1"/>
-          <p:cNvSpPr>
-            <a:spLocks noGrp="1"/>
-          </p:cNvSpPr>
-          <p:nvPr>
-            <p:ph type="title"/>
-          </p:nvPr>
-        </p:nvSpPr>
-        <p:spPr/>
-        <p:txBody>
-          <a:bodyPr/>
-          <a:lstStyle/>
-          <a:p>
-            <a:r>
-              <a:rPr lang="en-US" dirty="0" smtClean="0"/>
-              <a:t>SEMANTIC ELEMENTS</a:t>
-            </a:r>
-            <a:endParaRPr lang="en-US" dirty="0"/>
-          </a:p>
-        </p:txBody>
-      </p:sp>
-      <p:pic>
-        <p:nvPicPr>
-          <p:cNvPr id="1026" name="Picture 2"/>
-          <p:cNvPicPr>
-            <a:picLocks noGrp="1" noChangeAspect="1" noChangeArrowheads="1"/>
-          </p:cNvPicPr>
-          <p:nvPr>
-            <p:ph idx="1"/>
-          </p:nvPr>
-        </p:nvPicPr>
-        <p:blipFill>
-          <a:blip r:embed="rId2"/>
-          <a:srcRect/>
-          <a:stretch>
-            <a:fillRect/>
-          </a:stretch>
-        </p:blipFill>
-        <p:spPr bwMode="auto">
-          <a:xfrm>
-            <a:off x="1408883" y="1880213"/>
-            <a:ext cx="8172450" cy="1943100"/>
-          </a:xfrm>
-          <a:prstGeom prst="rect">
-            <a:avLst/>
-          </a:prstGeom>
-          <a:noFill/>
-          <a:ln w="9525">
-            <a:noFill/>
-            <a:miter lim="800000"/>
-            <a:headEnd/>
-            <a:tailEnd/>
-          </a:ln>
-          <a:effectLst/>
-        </p:spPr>
-      </p:pic>
-      <p:pic>
-        <p:nvPicPr>
-          <p:cNvPr id="1027" name="Picture 3"/>
-          <p:cNvPicPr>
-            <a:picLocks noChangeAspect="1" noChangeArrowheads="1"/>
-          </p:cNvPicPr>
-          <p:nvPr/>
-        </p:nvPicPr>
-        <p:blipFill>
-          <a:blip r:embed="rId3"/>
-          <a:srcRect/>
-          <a:stretch>
-            <a:fillRect/>
-          </a:stretch>
-        </p:blipFill>
-        <p:spPr bwMode="auto">
-          <a:xfrm>
-            <a:off x="1341120" y="4676367"/>
-            <a:ext cx="8229600" cy="561975"/>
-          </a:xfrm>
-          <a:prstGeom prst="rect">
-            <a:avLst/>
-          </a:prstGeom>
-          <a:noFill/>
-          <a:ln w="9525">
-            <a:noFill/>
-            <a:miter lim="800000"/>
-            <a:headEnd/>
-            <a:tailEnd/>
-          </a:ln>
-          <a:effectLst/>
-        </p:spPr>
-      </p:pic>
-    </p:spTree>
-  </p:cSld>
-  <p:clrMapOvr>
-    <a:masterClrMapping/>
-  </p:clrMapOvr>
-</p:sld>
-</file>
-
-<file path=ppt/slides/slide34.xml><?xml version="1.0" encoding="utf-8"?>
-<p:sld xmlns:a="http://schemas.openxmlformats.org/drawingml/2006/main" xmlns:r="http://schemas.openxmlformats.org/officeDocument/2006/relationships" xmlns:p="http://schemas.openxmlformats.org/presentationml/2006/main">
-  <p:cSld>
-    <p:spTree>
-      <p:nvGrpSpPr>
-        <p:cNvPr id="1" name=""/>
-        <p:cNvGrpSpPr/>
-        <p:nvPr/>
-      </p:nvGrpSpPr>
-      <p:grpSpPr>
-        <a:xfrm>
-          <a:off x="0" y="0"/>
-          <a:ext cx="0" cy="0"/>
-          <a:chOff x="0" y="0"/>
-          <a:chExt cx="0" cy="0"/>
-        </a:xfrm>
-      </p:grpSpPr>
-      <p:sp>
-        <p:nvSpPr>
-          <p:cNvPr id="2" name="Title 1"/>
-          <p:cNvSpPr>
-            <a:spLocks noGrp="1"/>
-          </p:cNvSpPr>
-          <p:nvPr>
-            <p:ph type="title"/>
-          </p:nvPr>
-        </p:nvSpPr>
-        <p:spPr/>
-        <p:txBody>
-          <a:bodyPr/>
-          <a:lstStyle/>
-          <a:p>
-            <a:r>
-              <a:rPr lang="en-IN" dirty="0" smtClean="0"/>
-              <a:t>Semantic elements</a:t>
-            </a:r>
-            <a:endParaRPr lang="en-US" dirty="0"/>
-          </a:p>
-        </p:txBody>
-      </p:sp>
-      <p:pic>
-        <p:nvPicPr>
-          <p:cNvPr id="2050" name="Picture 2"/>
-          <p:cNvPicPr>
-            <a:picLocks noGrp="1" noChangeAspect="1" noChangeArrowheads="1"/>
-          </p:cNvPicPr>
-          <p:nvPr>
-            <p:ph idx="1"/>
-          </p:nvPr>
-        </p:nvPicPr>
-        <p:blipFill>
-          <a:blip r:embed="rId2"/>
-          <a:srcRect/>
-          <a:stretch>
-            <a:fillRect/>
-          </a:stretch>
-        </p:blipFill>
-        <p:spPr bwMode="auto">
-          <a:xfrm>
-            <a:off x="3025684" y="1777478"/>
-            <a:ext cx="5203915" cy="3324225"/>
-          </a:xfrm>
-          <a:prstGeom prst="rect">
-            <a:avLst/>
-          </a:prstGeom>
-          <a:noFill/>
-          <a:ln w="9525">
-            <a:noFill/>
-            <a:miter lim="800000"/>
-            <a:headEnd/>
-            <a:tailEnd/>
-          </a:ln>
-          <a:effectLst/>
-        </p:spPr>
-      </p:pic>
-    </p:spTree>
-  </p:cSld>
-  <p:clrMapOvr>
-    <a:masterClrMapping/>
-  </p:clrMapOvr>
-</p:sld>
-</file>
-
-<file path=ppt/slides/slide35.xml><?xml version="1.0" encoding="utf-8"?>
-<p:sld xmlns:a="http://schemas.openxmlformats.org/drawingml/2006/main" xmlns:r="http://schemas.openxmlformats.org/officeDocument/2006/relationships" xmlns:p="http://schemas.openxmlformats.org/presentationml/2006/main">
-  <p:cSld>
-    <p:spTree>
-      <p:nvGrpSpPr>
-        <p:cNvPr id="1" name=""/>
-        <p:cNvGrpSpPr/>
-        <p:nvPr/>
-      </p:nvGrpSpPr>
-      <p:grpSpPr>
-        <a:xfrm>
-          <a:off x="0" y="0"/>
-          <a:ext cx="0" cy="0"/>
-          <a:chOff x="0" y="0"/>
-          <a:chExt cx="0" cy="0"/>
-        </a:xfrm>
-      </p:grpSpPr>
-      <p:sp>
-        <p:nvSpPr>
-          <p:cNvPr id="2" name="Title 1"/>
-          <p:cNvSpPr>
-            <a:spLocks noGrp="1"/>
-          </p:cNvSpPr>
-          <p:nvPr>
-            <p:ph type="title"/>
-          </p:nvPr>
-        </p:nvSpPr>
-        <p:spPr/>
-        <p:txBody>
-          <a:bodyPr/>
-          <a:lstStyle/>
-          <a:p>
-            <a:r>
-              <a:rPr lang="en-US" dirty="0" smtClean="0"/>
-              <a:t>SECTION</a:t>
-            </a:r>
-            <a:endParaRPr lang="en-US" dirty="0"/>
-          </a:p>
-        </p:txBody>
-      </p:sp>
-      <p:pic>
-        <p:nvPicPr>
-          <p:cNvPr id="2050" name="Picture 2"/>
-          <p:cNvPicPr>
-            <a:picLocks noGrp="1" noChangeAspect="1" noChangeArrowheads="1"/>
-          </p:cNvPicPr>
-          <p:nvPr>
-            <p:ph idx="1"/>
-          </p:nvPr>
-        </p:nvPicPr>
-        <p:blipFill>
-          <a:blip r:embed="rId2"/>
-          <a:srcRect/>
-          <a:stretch>
-            <a:fillRect/>
-          </a:stretch>
-        </p:blipFill>
-        <p:spPr bwMode="auto">
-          <a:xfrm>
-            <a:off x="691786" y="1561396"/>
-            <a:ext cx="4768487" cy="4290763"/>
-          </a:xfrm>
-          <a:prstGeom prst="rect">
-            <a:avLst/>
-          </a:prstGeom>
-          <a:noFill/>
-          <a:ln w="9525">
-            <a:noFill/>
-            <a:miter lim="800000"/>
-            <a:headEnd/>
-            <a:tailEnd/>
-          </a:ln>
-          <a:effectLst/>
-        </p:spPr>
-      </p:pic>
-      <p:pic>
-        <p:nvPicPr>
-          <p:cNvPr id="2052" name="Picture 4"/>
-          <p:cNvPicPr>
-            <a:picLocks noChangeAspect="1" noChangeArrowheads="1"/>
-          </p:cNvPicPr>
-          <p:nvPr/>
-        </p:nvPicPr>
-        <p:blipFill>
-          <a:blip r:embed="rId3"/>
-          <a:srcRect/>
-          <a:stretch>
-            <a:fillRect/>
-          </a:stretch>
-        </p:blipFill>
-        <p:spPr bwMode="auto">
-          <a:xfrm>
-            <a:off x="5878286" y="1504950"/>
-            <a:ext cx="6061165" cy="4347210"/>
-          </a:xfrm>
-          <a:prstGeom prst="rect">
-            <a:avLst/>
-          </a:prstGeom>
-          <a:noFill/>
-          <a:ln w="9525">
-            <a:noFill/>
-            <a:miter lim="800000"/>
-            <a:headEnd/>
-            <a:tailEnd/>
-          </a:ln>
-          <a:effectLst/>
-        </p:spPr>
-      </p:pic>
-    </p:spTree>
-  </p:cSld>
-  <p:clrMapOvr>
-    <a:masterClrMapping/>
-  </p:clrMapOvr>
-</p:sld>
-</file>
-
-<file path=ppt/slides/slide36.xml><?xml version="1.0" encoding="utf-8"?>
-<p:sld xmlns:a="http://schemas.openxmlformats.org/drawingml/2006/main" xmlns:r="http://schemas.openxmlformats.org/officeDocument/2006/relationships" xmlns:p="http://schemas.openxmlformats.org/presentationml/2006/main">
-  <p:cSld>
-    <p:spTree>
-      <p:nvGrpSpPr>
-        <p:cNvPr id="1" name=""/>
-        <p:cNvGrpSpPr/>
-        <p:nvPr/>
-      </p:nvGrpSpPr>
-      <p:grpSpPr>
-        <a:xfrm>
-          <a:off x="0" y="0"/>
-          <a:ext cx="0" cy="0"/>
-          <a:chOff x="0" y="0"/>
-          <a:chExt cx="0" cy="0"/>
-        </a:xfrm>
-      </p:grpSpPr>
-      <p:sp>
-        <p:nvSpPr>
-          <p:cNvPr id="2" name="Title 1"/>
-          <p:cNvSpPr>
-            <a:spLocks noGrp="1"/>
-          </p:cNvSpPr>
-          <p:nvPr>
-            <p:ph type="title"/>
-          </p:nvPr>
-        </p:nvSpPr>
-        <p:spPr/>
-        <p:txBody>
-          <a:bodyPr/>
-          <a:lstStyle/>
-          <a:p>
-            <a:r>
-              <a:rPr lang="en-US" dirty="0" smtClean="0"/>
-              <a:t>HEADER</a:t>
-            </a:r>
-            <a:endParaRPr lang="en-US" dirty="0"/>
-          </a:p>
-        </p:txBody>
-      </p:sp>
-      <p:pic>
-        <p:nvPicPr>
-          <p:cNvPr id="3074" name="Picture 2"/>
-          <p:cNvPicPr>
-            <a:picLocks noGrp="1" noChangeAspect="1" noChangeArrowheads="1"/>
-          </p:cNvPicPr>
-          <p:nvPr>
-            <p:ph idx="1"/>
-          </p:nvPr>
-        </p:nvPicPr>
-        <p:blipFill>
-          <a:blip r:embed="rId2"/>
-          <a:srcRect/>
-          <a:stretch>
-            <a:fillRect/>
-          </a:stretch>
-        </p:blipFill>
-        <p:spPr bwMode="auto">
-          <a:xfrm>
-            <a:off x="538571" y="1931646"/>
-            <a:ext cx="5104583" cy="3437188"/>
-          </a:xfrm>
-          <a:prstGeom prst="rect">
-            <a:avLst/>
-          </a:prstGeom>
-          <a:noFill/>
-          <a:ln w="9525">
-            <a:noFill/>
-            <a:miter lim="800000"/>
-            <a:headEnd/>
-            <a:tailEnd/>
-          </a:ln>
-          <a:effectLst/>
-        </p:spPr>
-      </p:pic>
-      <p:pic>
-        <p:nvPicPr>
-          <p:cNvPr id="3076" name="Picture 4"/>
-          <p:cNvPicPr>
-            <a:picLocks noChangeAspect="1" noChangeArrowheads="1"/>
-          </p:cNvPicPr>
-          <p:nvPr/>
-        </p:nvPicPr>
-        <p:blipFill>
-          <a:blip r:embed="rId3"/>
-          <a:srcRect/>
-          <a:stretch>
-            <a:fillRect/>
-          </a:stretch>
-        </p:blipFill>
-        <p:spPr bwMode="auto">
-          <a:xfrm>
-            <a:off x="6035040" y="862150"/>
-            <a:ext cx="5826034" cy="5081450"/>
-          </a:xfrm>
-          <a:prstGeom prst="rect">
-            <a:avLst/>
-          </a:prstGeom>
-          <a:noFill/>
-          <a:ln w="9525">
-            <a:noFill/>
-            <a:miter lim="800000"/>
-            <a:headEnd/>
-            <a:tailEnd/>
-          </a:ln>
-          <a:effectLst/>
-        </p:spPr>
-      </p:pic>
-    </p:spTree>
-  </p:cSld>
-  <p:clrMapOvr>
-    <a:masterClrMapping/>
-  </p:clrMapOvr>
-</p:sld>
-</file>
-
-<file path=ppt/slides/slide37.xml><?xml version="1.0" encoding="utf-8"?>
-<p:sld xmlns:a="http://schemas.openxmlformats.org/drawingml/2006/main" xmlns:r="http://schemas.openxmlformats.org/officeDocument/2006/relationships" xmlns:p="http://schemas.openxmlformats.org/presentationml/2006/main">
-  <p:cSld>
-    <p:spTree>
-      <p:nvGrpSpPr>
-        <p:cNvPr id="1" name=""/>
-        <p:cNvGrpSpPr/>
-        <p:nvPr/>
-      </p:nvGrpSpPr>
-      <p:grpSpPr>
-        <a:xfrm>
-          <a:off x="0" y="0"/>
-          <a:ext cx="0" cy="0"/>
-          <a:chOff x="0" y="0"/>
-          <a:chExt cx="0" cy="0"/>
-        </a:xfrm>
-      </p:grpSpPr>
-      <p:sp>
-        <p:nvSpPr>
-          <p:cNvPr id="2" name="Title 1"/>
-          <p:cNvSpPr>
-            <a:spLocks noGrp="1"/>
-          </p:cNvSpPr>
-          <p:nvPr>
-            <p:ph type="title"/>
-          </p:nvPr>
-        </p:nvSpPr>
-        <p:spPr/>
-        <p:txBody>
-          <a:bodyPr/>
-          <a:lstStyle/>
-          <a:p>
-            <a:r>
-              <a:rPr lang="en-US" dirty="0" smtClean="0"/>
-              <a:t>NAV</a:t>
-            </a:r>
-            <a:endParaRPr lang="en-US" dirty="0"/>
-          </a:p>
-        </p:txBody>
-      </p:sp>
-      <p:pic>
-        <p:nvPicPr>
-          <p:cNvPr id="4098" name="Picture 2"/>
-          <p:cNvPicPr>
-            <a:picLocks noGrp="1" noChangeAspect="1" noChangeArrowheads="1"/>
-          </p:cNvPicPr>
-          <p:nvPr>
-            <p:ph idx="1"/>
-          </p:nvPr>
-        </p:nvPicPr>
-        <p:blipFill>
-          <a:blip r:embed="rId2"/>
-          <a:srcRect/>
-          <a:stretch>
-            <a:fillRect/>
-          </a:stretch>
-        </p:blipFill>
-        <p:spPr bwMode="auto">
-          <a:xfrm>
-            <a:off x="997130" y="1899942"/>
-            <a:ext cx="3992881" cy="882447"/>
-          </a:xfrm>
-          <a:prstGeom prst="rect">
-            <a:avLst/>
-          </a:prstGeom>
-          <a:noFill/>
-          <a:ln w="9525">
-            <a:noFill/>
-            <a:miter lim="800000"/>
-            <a:headEnd/>
-            <a:tailEnd/>
-          </a:ln>
-          <a:effectLst/>
-        </p:spPr>
-      </p:pic>
-      <p:pic>
-        <p:nvPicPr>
-          <p:cNvPr id="4100" name="Picture 4"/>
-          <p:cNvPicPr>
-            <a:picLocks noChangeAspect="1" noChangeArrowheads="1"/>
-          </p:cNvPicPr>
-          <p:nvPr/>
-        </p:nvPicPr>
-        <p:blipFill>
-          <a:blip r:embed="rId3"/>
-          <a:srcRect/>
-          <a:stretch>
-            <a:fillRect/>
-          </a:stretch>
-        </p:blipFill>
-        <p:spPr bwMode="auto">
-          <a:xfrm>
-            <a:off x="6643688" y="1201375"/>
-            <a:ext cx="4773249" cy="4624659"/>
-          </a:xfrm>
-          <a:prstGeom prst="rect">
-            <a:avLst/>
-          </a:prstGeom>
-          <a:noFill/>
-          <a:ln w="9525">
-            <a:noFill/>
-            <a:miter lim="800000"/>
-            <a:headEnd/>
-            <a:tailEnd/>
-          </a:ln>
-          <a:effectLst/>
-        </p:spPr>
-      </p:pic>
-    </p:spTree>
-  </p:cSld>
-  <p:clrMapOvr>
-    <a:masterClrMapping/>
-  </p:clrMapOvr>
-</p:sld>
-</file>
-
-<file path=ppt/slides/slide38.xml><?xml version="1.0" encoding="utf-8"?>
-<p:sld xmlns:a="http://schemas.openxmlformats.org/drawingml/2006/main" xmlns:r="http://schemas.openxmlformats.org/officeDocument/2006/relationships" xmlns:p="http://schemas.openxmlformats.org/presentationml/2006/main">
-  <p:cSld>
-    <p:spTree>
-      <p:nvGrpSpPr>
-        <p:cNvPr id="1" name=""/>
-        <p:cNvGrpSpPr/>
-        <p:nvPr/>
-      </p:nvGrpSpPr>
-      <p:grpSpPr>
-        <a:xfrm>
-          <a:off x="0" y="0"/>
-          <a:ext cx="0" cy="0"/>
-          <a:chOff x="0" y="0"/>
-          <a:chExt cx="0" cy="0"/>
-        </a:xfrm>
-      </p:grpSpPr>
-      <p:sp>
-        <p:nvSpPr>
-          <p:cNvPr id="2" name="Title 1"/>
-          <p:cNvSpPr>
-            <a:spLocks noGrp="1"/>
-          </p:cNvSpPr>
-          <p:nvPr>
-            <p:ph type="title"/>
-          </p:nvPr>
-        </p:nvSpPr>
-        <p:spPr/>
-        <p:txBody>
-          <a:bodyPr/>
-          <a:lstStyle/>
-          <a:p>
-            <a:r>
-              <a:rPr lang="en-US" dirty="0" smtClean="0"/>
-              <a:t>FOOTER</a:t>
-            </a:r>
-            <a:endParaRPr lang="en-US" dirty="0"/>
-          </a:p>
-        </p:txBody>
-      </p:sp>
-      <p:pic>
-        <p:nvPicPr>
-          <p:cNvPr id="5122" name="Picture 2"/>
-          <p:cNvPicPr>
-            <a:picLocks noGrp="1" noChangeAspect="1" noChangeArrowheads="1"/>
-          </p:cNvPicPr>
-          <p:nvPr>
-            <p:ph idx="1"/>
-          </p:nvPr>
-        </p:nvPicPr>
-        <p:blipFill>
-          <a:blip r:embed="rId2"/>
-          <a:srcRect/>
-          <a:stretch>
-            <a:fillRect/>
-          </a:stretch>
-        </p:blipFill>
-        <p:spPr bwMode="auto">
-          <a:xfrm>
-            <a:off x="907596" y="1905657"/>
-            <a:ext cx="2800350" cy="2466975"/>
-          </a:xfrm>
-          <a:prstGeom prst="rect">
-            <a:avLst/>
-          </a:prstGeom>
-          <a:noFill/>
-          <a:ln w="9525">
-            <a:noFill/>
-            <a:miter lim="800000"/>
-            <a:headEnd/>
-            <a:tailEnd/>
-          </a:ln>
-          <a:effectLst/>
-        </p:spPr>
-      </p:pic>
-      <p:pic>
-        <p:nvPicPr>
-          <p:cNvPr id="5123" name="Picture 3"/>
-          <p:cNvPicPr>
-            <a:picLocks noChangeAspect="1" noChangeArrowheads="1"/>
-          </p:cNvPicPr>
-          <p:nvPr/>
-        </p:nvPicPr>
-        <p:blipFill>
-          <a:blip r:embed="rId3"/>
-          <a:srcRect/>
-          <a:stretch>
-            <a:fillRect/>
-          </a:stretch>
-        </p:blipFill>
-        <p:spPr bwMode="auto">
-          <a:xfrm>
-            <a:off x="3963897" y="1119051"/>
-            <a:ext cx="7686675" cy="2895600"/>
-          </a:xfrm>
-          <a:prstGeom prst="rect">
-            <a:avLst/>
-          </a:prstGeom>
-          <a:noFill/>
-          <a:ln w="9525">
-            <a:noFill/>
-            <a:miter lim="800000"/>
-            <a:headEnd/>
-            <a:tailEnd/>
-          </a:ln>
-          <a:effectLst/>
-        </p:spPr>
-      </p:pic>
-    </p:spTree>
-  </p:cSld>
-  <p:clrMapOvr>
-    <a:masterClrMapping/>
-  </p:clrMapOvr>
-</p:sld>
-</file>
-
-<file path=ppt/slides/slide39.xml><?xml version="1.0" encoding="utf-8"?>
-<p:sld xmlns:a="http://schemas.openxmlformats.org/drawingml/2006/main" xmlns:r="http://schemas.openxmlformats.org/officeDocument/2006/relationships" xmlns:p="http://schemas.openxmlformats.org/presentationml/2006/main">
-  <p:cSld>
-    <p:spTree>
-      <p:nvGrpSpPr>
-        <p:cNvPr id="1" name=""/>
-        <p:cNvGrpSpPr/>
-        <p:nvPr/>
-      </p:nvGrpSpPr>
-      <p:grpSpPr>
-        <a:xfrm>
-          <a:off x="0" y="0"/>
-          <a:ext cx="0" cy="0"/>
-          <a:chOff x="0" y="0"/>
-          <a:chExt cx="0" cy="0"/>
-        </a:xfrm>
-      </p:grpSpPr>
-      <p:sp>
-        <p:nvSpPr>
-          <p:cNvPr id="2" name="Title 1"/>
-          <p:cNvSpPr>
-            <a:spLocks noGrp="1"/>
-          </p:cNvSpPr>
-          <p:nvPr>
-            <p:ph type="title"/>
-          </p:nvPr>
-        </p:nvSpPr>
-        <p:spPr/>
-        <p:txBody>
-          <a:bodyPr/>
-          <a:lstStyle/>
-          <a:p>
-            <a:r>
-              <a:rPr lang="en-US" dirty="0" smtClean="0"/>
-              <a:t>Sidebar menu</a:t>
-            </a:r>
-            <a:endParaRPr lang="en-US" dirty="0"/>
-          </a:p>
-        </p:txBody>
-      </p:sp>
-      <p:pic>
-        <p:nvPicPr>
-          <p:cNvPr id="63490" name="Picture 2"/>
-          <p:cNvPicPr>
-            <a:picLocks noGrp="1" noChangeAspect="1" noChangeArrowheads="1"/>
-          </p:cNvPicPr>
-          <p:nvPr>
-            <p:ph idx="1"/>
-          </p:nvPr>
-        </p:nvPicPr>
-        <p:blipFill>
-          <a:blip r:embed="rId2"/>
-          <a:srcRect/>
-          <a:stretch>
-            <a:fillRect/>
-          </a:stretch>
-        </p:blipFill>
-        <p:spPr bwMode="auto">
-          <a:xfrm>
-            <a:off x="888274" y="1280160"/>
-            <a:ext cx="10223183" cy="5003074"/>
-          </a:xfrm>
-          <a:prstGeom prst="rect">
-            <a:avLst/>
-          </a:prstGeom>
-          <a:noFill/>
-          <a:ln w="9525">
-            <a:noFill/>
-            <a:miter lim="800000"/>
-            <a:headEnd/>
-            <a:tailEnd/>
-          </a:ln>
-          <a:effectLst/>
-        </p:spPr>
-      </p:pic>
-    </p:spTree>
-  </p:cSld>
-  <p:clrMapOvr>
-    <a:masterClrMapping/>
-  </p:clrMapOvr>
-</p:sld>
-</file>
-
 <file path=ppt/slides/slide4.xml><?xml version="1.0" encoding="utf-8"?>
 <p:sld xmlns:a="http://schemas.openxmlformats.org/drawingml/2006/main" xmlns:r="http://schemas.openxmlformats.org/officeDocument/2006/relationships" xmlns:p="http://schemas.openxmlformats.org/presentationml/2006/main">
   <p:cSld>
@@ -7272,558 +5657,6 @@
           <a:xfrm>
             <a:off x="758733" y="1493929"/>
             <a:ext cx="9521735" cy="2019980"/>
-          </a:xfrm>
-          <a:prstGeom prst="rect">
-            <a:avLst/>
-          </a:prstGeom>
-          <a:noFill/>
-          <a:ln w="9525">
-            <a:noFill/>
-            <a:miter lim="800000"/>
-            <a:headEnd/>
-            <a:tailEnd/>
-          </a:ln>
-          <a:effectLst/>
-        </p:spPr>
-      </p:pic>
-    </p:spTree>
-  </p:cSld>
-  <p:clrMapOvr>
-    <a:masterClrMapping/>
-  </p:clrMapOvr>
-</p:sld>
-</file>
-
-<file path=ppt/slides/slide40.xml><?xml version="1.0" encoding="utf-8"?>
-<p:sld xmlns:a="http://schemas.openxmlformats.org/drawingml/2006/main" xmlns:r="http://schemas.openxmlformats.org/officeDocument/2006/relationships" xmlns:p="http://schemas.openxmlformats.org/presentationml/2006/main">
-  <p:cSld>
-    <p:spTree>
-      <p:nvGrpSpPr>
-        <p:cNvPr id="1" name=""/>
-        <p:cNvGrpSpPr/>
-        <p:nvPr/>
-      </p:nvGrpSpPr>
-      <p:grpSpPr>
-        <a:xfrm>
-          <a:off x="0" y="0"/>
-          <a:ext cx="0" cy="0"/>
-          <a:chOff x="0" y="0"/>
-          <a:chExt cx="0" cy="0"/>
-        </a:xfrm>
-      </p:grpSpPr>
-      <p:sp>
-        <p:nvSpPr>
-          <p:cNvPr id="2" name="Title 1"/>
-          <p:cNvSpPr>
-            <a:spLocks noGrp="1"/>
-          </p:cNvSpPr>
-          <p:nvPr>
-            <p:ph type="title"/>
-          </p:nvPr>
-        </p:nvSpPr>
-        <p:spPr/>
-        <p:txBody>
-          <a:bodyPr/>
-          <a:lstStyle/>
-          <a:p>
-            <a:r>
-              <a:rPr lang="en-US" dirty="0" smtClean="0"/>
-              <a:t>ASIDE</a:t>
-            </a:r>
-            <a:endParaRPr lang="en-US" dirty="0"/>
-          </a:p>
-        </p:txBody>
-      </p:sp>
-      <p:pic>
-        <p:nvPicPr>
-          <p:cNvPr id="6146" name="Picture 2"/>
-          <p:cNvPicPr>
-            <a:picLocks noGrp="1" noChangeAspect="1" noChangeArrowheads="1"/>
-          </p:cNvPicPr>
-          <p:nvPr>
-            <p:ph idx="1"/>
-          </p:nvPr>
-        </p:nvPicPr>
-        <p:blipFill>
-          <a:blip r:embed="rId2"/>
-          <a:srcRect/>
-          <a:stretch>
-            <a:fillRect/>
-          </a:stretch>
-        </p:blipFill>
-        <p:spPr bwMode="auto">
-          <a:xfrm>
-            <a:off x="326572" y="1932735"/>
-            <a:ext cx="5264331" cy="2647950"/>
-          </a:xfrm>
-          <a:prstGeom prst="rect">
-            <a:avLst/>
-          </a:prstGeom>
-          <a:noFill/>
-          <a:ln w="9525">
-            <a:noFill/>
-            <a:miter lim="800000"/>
-            <a:headEnd/>
-            <a:tailEnd/>
-          </a:ln>
-          <a:effectLst/>
-        </p:spPr>
-      </p:pic>
-      <p:pic>
-        <p:nvPicPr>
-          <p:cNvPr id="6147" name="Picture 3"/>
-          <p:cNvPicPr>
-            <a:picLocks noChangeAspect="1" noChangeArrowheads="1"/>
-          </p:cNvPicPr>
-          <p:nvPr/>
-        </p:nvPicPr>
-        <p:blipFill>
-          <a:blip r:embed="rId3"/>
-          <a:srcRect/>
-          <a:stretch>
-            <a:fillRect/>
-          </a:stretch>
-        </p:blipFill>
-        <p:spPr bwMode="auto">
-          <a:xfrm>
-            <a:off x="5682343" y="553810"/>
-            <a:ext cx="5812971" cy="5089343"/>
-          </a:xfrm>
-          <a:prstGeom prst="rect">
-            <a:avLst/>
-          </a:prstGeom>
-          <a:noFill/>
-          <a:ln w="9525">
-            <a:noFill/>
-            <a:miter lim="800000"/>
-            <a:headEnd/>
-            <a:tailEnd/>
-          </a:ln>
-          <a:effectLst/>
-        </p:spPr>
-      </p:pic>
-    </p:spTree>
-  </p:cSld>
-  <p:clrMapOvr>
-    <a:masterClrMapping/>
-  </p:clrMapOvr>
-</p:sld>
-</file>
-
-<file path=ppt/slides/slide41.xml><?xml version="1.0" encoding="utf-8"?>
-<p:sld xmlns:a="http://schemas.openxmlformats.org/drawingml/2006/main" xmlns:r="http://schemas.openxmlformats.org/officeDocument/2006/relationships" xmlns:p="http://schemas.openxmlformats.org/presentationml/2006/main">
-  <p:cSld>
-    <p:spTree>
-      <p:nvGrpSpPr>
-        <p:cNvPr id="1" name=""/>
-        <p:cNvGrpSpPr/>
-        <p:nvPr/>
-      </p:nvGrpSpPr>
-      <p:grpSpPr>
-        <a:xfrm>
-          <a:off x="0" y="0"/>
-          <a:ext cx="0" cy="0"/>
-          <a:chOff x="0" y="0"/>
-          <a:chExt cx="0" cy="0"/>
-        </a:xfrm>
-      </p:grpSpPr>
-      <p:sp>
-        <p:nvSpPr>
-          <p:cNvPr id="2" name="Title 1"/>
-          <p:cNvSpPr>
-            <a:spLocks noGrp="1"/>
-          </p:cNvSpPr>
-          <p:nvPr>
-            <p:ph type="title"/>
-          </p:nvPr>
-        </p:nvSpPr>
-        <p:spPr/>
-        <p:txBody>
-          <a:bodyPr/>
-          <a:lstStyle/>
-          <a:p>
-            <a:r>
-              <a:rPr lang="en-US" dirty="0" smtClean="0"/>
-              <a:t>Q</a:t>
-            </a:r>
-            <a:r>
-              <a:rPr lang="en-US" dirty="0" smtClean="0"/>
-              <a:t>uestion</a:t>
-            </a:r>
-            <a:endParaRPr lang="en-US" dirty="0"/>
-          </a:p>
-        </p:txBody>
-      </p:sp>
-      <p:sp>
-        <p:nvSpPr>
-          <p:cNvPr id="3" name="Content Placeholder 2"/>
-          <p:cNvSpPr>
-            <a:spLocks noGrp="1"/>
-          </p:cNvSpPr>
-          <p:nvPr>
-            <p:ph idx="1"/>
-          </p:nvPr>
-        </p:nvSpPr>
-        <p:spPr/>
-        <p:txBody>
-          <a:bodyPr/>
-          <a:lstStyle/>
-          <a:p>
-            <a:endParaRPr lang="en-US"/>
-          </a:p>
-        </p:txBody>
-      </p:sp>
-      <p:pic>
-        <p:nvPicPr>
-          <p:cNvPr id="58370" name="Picture 2"/>
-          <p:cNvPicPr>
-            <a:picLocks noChangeAspect="1" noChangeArrowheads="1"/>
-          </p:cNvPicPr>
-          <p:nvPr/>
-        </p:nvPicPr>
-        <p:blipFill>
-          <a:blip r:embed="rId2"/>
-          <a:srcRect/>
-          <a:stretch>
-            <a:fillRect/>
-          </a:stretch>
-        </p:blipFill>
-        <p:spPr bwMode="auto">
-          <a:xfrm>
-            <a:off x="836022" y="1886495"/>
-            <a:ext cx="6675120" cy="3234146"/>
-          </a:xfrm>
-          <a:prstGeom prst="rect">
-            <a:avLst/>
-          </a:prstGeom>
-          <a:noFill/>
-          <a:ln w="9525">
-            <a:noFill/>
-            <a:miter lim="800000"/>
-            <a:headEnd/>
-            <a:tailEnd/>
-          </a:ln>
-          <a:effectLst/>
-        </p:spPr>
-      </p:pic>
-    </p:spTree>
-  </p:cSld>
-  <p:clrMapOvr>
-    <a:masterClrMapping/>
-  </p:clrMapOvr>
-</p:sld>
-</file>
-
-<file path=ppt/slides/slide42.xml><?xml version="1.0" encoding="utf-8"?>
-<p:sld xmlns:a="http://schemas.openxmlformats.org/drawingml/2006/main" xmlns:r="http://schemas.openxmlformats.org/officeDocument/2006/relationships" xmlns:p="http://schemas.openxmlformats.org/presentationml/2006/main">
-  <p:cSld>
-    <p:spTree>
-      <p:nvGrpSpPr>
-        <p:cNvPr id="1" name=""/>
-        <p:cNvGrpSpPr/>
-        <p:nvPr/>
-      </p:nvGrpSpPr>
-      <p:grpSpPr>
-        <a:xfrm>
-          <a:off x="0" y="0"/>
-          <a:ext cx="0" cy="0"/>
-          <a:chOff x="0" y="0"/>
-          <a:chExt cx="0" cy="0"/>
-        </a:xfrm>
-      </p:grpSpPr>
-      <p:sp>
-        <p:nvSpPr>
-          <p:cNvPr id="2" name="Title 1"/>
-          <p:cNvSpPr>
-            <a:spLocks noGrp="1"/>
-          </p:cNvSpPr>
-          <p:nvPr>
-            <p:ph type="title"/>
-          </p:nvPr>
-        </p:nvSpPr>
-        <p:spPr/>
-        <p:txBody>
-          <a:bodyPr/>
-          <a:lstStyle/>
-          <a:p>
-            <a:r>
-              <a:rPr lang="en-US" dirty="0" smtClean="0"/>
-              <a:t>Question</a:t>
-            </a:r>
-            <a:endParaRPr lang="en-US" dirty="0"/>
-          </a:p>
-        </p:txBody>
-      </p:sp>
-      <p:pic>
-        <p:nvPicPr>
-          <p:cNvPr id="59394" name="Picture 2"/>
-          <p:cNvPicPr>
-            <a:picLocks noGrp="1" noChangeAspect="1" noChangeArrowheads="1"/>
-          </p:cNvPicPr>
-          <p:nvPr>
-            <p:ph idx="1"/>
-          </p:nvPr>
-        </p:nvPicPr>
-        <p:blipFill>
-          <a:blip r:embed="rId2"/>
-          <a:srcRect/>
-          <a:stretch>
-            <a:fillRect/>
-          </a:stretch>
-        </p:blipFill>
-        <p:spPr bwMode="auto">
-          <a:xfrm>
-            <a:off x="786899" y="1750399"/>
-            <a:ext cx="6097227" cy="2142331"/>
-          </a:xfrm>
-          <a:prstGeom prst="rect">
-            <a:avLst/>
-          </a:prstGeom>
-          <a:noFill/>
-          <a:ln w="9525">
-            <a:noFill/>
-            <a:miter lim="800000"/>
-            <a:headEnd/>
-            <a:tailEnd/>
-          </a:ln>
-          <a:effectLst/>
-        </p:spPr>
-      </p:pic>
-    </p:spTree>
-  </p:cSld>
-  <p:clrMapOvr>
-    <a:masterClrMapping/>
-  </p:clrMapOvr>
-</p:sld>
-</file>
-
-<file path=ppt/slides/slide43.xml><?xml version="1.0" encoding="utf-8"?>
-<p:sld xmlns:a="http://schemas.openxmlformats.org/drawingml/2006/main" xmlns:r="http://schemas.openxmlformats.org/officeDocument/2006/relationships" xmlns:p="http://schemas.openxmlformats.org/presentationml/2006/main">
-  <p:cSld>
-    <p:spTree>
-      <p:nvGrpSpPr>
-        <p:cNvPr id="1" name=""/>
-        <p:cNvGrpSpPr/>
-        <p:nvPr/>
-      </p:nvGrpSpPr>
-      <p:grpSpPr>
-        <a:xfrm>
-          <a:off x="0" y="0"/>
-          <a:ext cx="0" cy="0"/>
-          <a:chOff x="0" y="0"/>
-          <a:chExt cx="0" cy="0"/>
-        </a:xfrm>
-      </p:grpSpPr>
-      <p:sp>
-        <p:nvSpPr>
-          <p:cNvPr id="2" name="Title 1"/>
-          <p:cNvSpPr>
-            <a:spLocks noGrp="1"/>
-          </p:cNvSpPr>
-          <p:nvPr>
-            <p:ph type="title"/>
-          </p:nvPr>
-        </p:nvSpPr>
-        <p:spPr/>
-        <p:txBody>
-          <a:bodyPr/>
-          <a:lstStyle/>
-          <a:p>
-            <a:r>
-              <a:rPr lang="en-US" dirty="0" smtClean="0"/>
-              <a:t>Question</a:t>
-            </a:r>
-            <a:endParaRPr lang="en-US" dirty="0"/>
-          </a:p>
-        </p:txBody>
-      </p:sp>
-      <p:pic>
-        <p:nvPicPr>
-          <p:cNvPr id="60418" name="Picture 2"/>
-          <p:cNvPicPr>
-            <a:picLocks noGrp="1" noChangeAspect="1" noChangeArrowheads="1"/>
-          </p:cNvPicPr>
-          <p:nvPr>
-            <p:ph idx="1"/>
-          </p:nvPr>
-        </p:nvPicPr>
-        <p:blipFill>
-          <a:blip r:embed="rId2"/>
-          <a:srcRect/>
-          <a:stretch>
-            <a:fillRect/>
-          </a:stretch>
-        </p:blipFill>
-        <p:spPr bwMode="auto">
-          <a:xfrm>
-            <a:off x="1249815" y="1830955"/>
-            <a:ext cx="7306356" cy="1774394"/>
-          </a:xfrm>
-          <a:prstGeom prst="rect">
-            <a:avLst/>
-          </a:prstGeom>
-          <a:noFill/>
-          <a:ln w="9525">
-            <a:noFill/>
-            <a:miter lim="800000"/>
-            <a:headEnd/>
-            <a:tailEnd/>
-          </a:ln>
-          <a:effectLst/>
-        </p:spPr>
-      </p:pic>
-    </p:spTree>
-  </p:cSld>
-  <p:clrMapOvr>
-    <a:masterClrMapping/>
-  </p:clrMapOvr>
-</p:sld>
-</file>
-
-<file path=ppt/slides/slide44.xml><?xml version="1.0" encoding="utf-8"?>
-<p:sld xmlns:a="http://schemas.openxmlformats.org/drawingml/2006/main" xmlns:r="http://schemas.openxmlformats.org/officeDocument/2006/relationships" xmlns:p="http://schemas.openxmlformats.org/presentationml/2006/main">
-  <p:cSld>
-    <p:spTree>
-      <p:nvGrpSpPr>
-        <p:cNvPr id="1" name=""/>
-        <p:cNvGrpSpPr/>
-        <p:nvPr/>
-      </p:nvGrpSpPr>
-      <p:grpSpPr>
-        <a:xfrm>
-          <a:off x="0" y="0"/>
-          <a:ext cx="0" cy="0"/>
-          <a:chOff x="0" y="0"/>
-          <a:chExt cx="0" cy="0"/>
-        </a:xfrm>
-      </p:grpSpPr>
-      <p:sp>
-        <p:nvSpPr>
-          <p:cNvPr id="2" name="Title 1"/>
-          <p:cNvSpPr>
-            <a:spLocks noGrp="1"/>
-          </p:cNvSpPr>
-          <p:nvPr>
-            <p:ph type="title"/>
-          </p:nvPr>
-        </p:nvSpPr>
-        <p:spPr/>
-        <p:txBody>
-          <a:bodyPr/>
-          <a:lstStyle/>
-          <a:p>
-            <a:r>
-              <a:rPr lang="en-US" dirty="0" smtClean="0"/>
-              <a:t>Question</a:t>
-            </a:r>
-            <a:endParaRPr lang="en-US" dirty="0"/>
-          </a:p>
-        </p:txBody>
-      </p:sp>
-      <p:pic>
-        <p:nvPicPr>
-          <p:cNvPr id="61442" name="Picture 2"/>
-          <p:cNvPicPr>
-            <a:picLocks noGrp="1" noChangeAspect="1" noChangeArrowheads="1"/>
-          </p:cNvPicPr>
-          <p:nvPr>
-            <p:ph idx="1"/>
-          </p:nvPr>
-        </p:nvPicPr>
-        <p:blipFill>
-          <a:blip r:embed="rId2"/>
-          <a:srcRect/>
-          <a:stretch>
-            <a:fillRect/>
-          </a:stretch>
-        </p:blipFill>
-        <p:spPr bwMode="auto">
-          <a:xfrm>
-            <a:off x="1342617" y="1741011"/>
-            <a:ext cx="7331120" cy="2190909"/>
-          </a:xfrm>
-          <a:prstGeom prst="rect">
-            <a:avLst/>
-          </a:prstGeom>
-          <a:noFill/>
-          <a:ln w="9525">
-            <a:noFill/>
-            <a:miter lim="800000"/>
-            <a:headEnd/>
-            <a:tailEnd/>
-          </a:ln>
-          <a:effectLst/>
-        </p:spPr>
-      </p:pic>
-    </p:spTree>
-  </p:cSld>
-  <p:clrMapOvr>
-    <a:masterClrMapping/>
-  </p:clrMapOvr>
-</p:sld>
-</file>
-
-<file path=ppt/slides/slide45.xml><?xml version="1.0" encoding="utf-8"?>
-<p:sld xmlns:a="http://schemas.openxmlformats.org/drawingml/2006/main" xmlns:r="http://schemas.openxmlformats.org/officeDocument/2006/relationships" xmlns:p="http://schemas.openxmlformats.org/presentationml/2006/main">
-  <p:cSld>
-    <p:spTree>
-      <p:nvGrpSpPr>
-        <p:cNvPr id="1" name=""/>
-        <p:cNvGrpSpPr/>
-        <p:nvPr/>
-      </p:nvGrpSpPr>
-      <p:grpSpPr>
-        <a:xfrm>
-          <a:off x="0" y="0"/>
-          <a:ext cx="0" cy="0"/>
-          <a:chOff x="0" y="0"/>
-          <a:chExt cx="0" cy="0"/>
-        </a:xfrm>
-      </p:grpSpPr>
-      <p:sp>
-        <p:nvSpPr>
-          <p:cNvPr id="2" name="Title 1"/>
-          <p:cNvSpPr>
-            <a:spLocks noGrp="1"/>
-          </p:cNvSpPr>
-          <p:nvPr>
-            <p:ph type="title"/>
-          </p:nvPr>
-        </p:nvSpPr>
-        <p:spPr/>
-        <p:txBody>
-          <a:bodyPr/>
-          <a:lstStyle/>
-          <a:p>
-            <a:r>
-              <a:rPr lang="en-US" dirty="0" smtClean="0"/>
-              <a:t>Question</a:t>
-            </a:r>
-            <a:endParaRPr lang="en-US" dirty="0"/>
-          </a:p>
-        </p:txBody>
-      </p:sp>
-      <p:pic>
-        <p:nvPicPr>
-          <p:cNvPr id="62466" name="Picture 2"/>
-          <p:cNvPicPr>
-            <a:picLocks noGrp="1" noChangeAspect="1" noChangeArrowheads="1"/>
-          </p:cNvPicPr>
-          <p:nvPr>
-            <p:ph idx="1"/>
-          </p:nvPr>
-        </p:nvPicPr>
-        <p:blipFill>
-          <a:blip r:embed="rId2"/>
-          <a:srcRect/>
-          <a:stretch>
-            <a:fillRect/>
-          </a:stretch>
-        </p:blipFill>
-        <p:spPr bwMode="auto">
-          <a:xfrm>
-            <a:off x="1062718" y="1953555"/>
-            <a:ext cx="7010128" cy="1952239"/>
           </a:xfrm>
           <a:prstGeom prst="rect">
             <a:avLst/>
@@ -8562,7 +6395,7 @@
   <a:extraClrSchemeLst/>
   <a:extLst>
     <a:ext uri="{05A4C25C-085E-4340-85A3-A5531E510DB2}">
-      <thm15:themeFamily xmlns:thm15="http://schemas.microsoft.com/office/thememl/2012/main" xmlns="" name="Office Theme" id="{62F939B6-93AF-4DB8-9C6B-D6C7DFDC589F}" vid="{4A3C46E8-61CC-4603-A589-7422A47A8E4A}"/>
+      <thm15:themeFamily xmlns="" xmlns:thm15="http://schemas.microsoft.com/office/thememl/2012/main" name="Office Theme" id="{62F939B6-93AF-4DB8-9C6B-D6C7DFDC589F}" vid="{4A3C46E8-61CC-4603-A589-7422A47A8E4A}"/>
     </a:ext>
   </a:extLst>
 </a:theme>
